--- a/Figure 2 and Figure S1/Figure assembly canvas.pptx
+++ b/Figure 2 and Figure S1/Figure assembly canvas.pptx
@@ -104,6 +104,11 @@
       </a:defRPr>
     </a:lvl9pPr>
   </p:defaultTextStyle>
+  <p:extLst>
+    <p:ext uri="{EFAFB233-063F-42B5-8137-9DF3F51BA10A}">
+      <p15:sldGuideLst xmlns:p15="http://schemas.microsoft.com/office/powerpoint/2012/main"/>
+    </p:ext>
+  </p:extLst>
 </p:presentation>
 </file>
 
@@ -238,7 +243,7 @@
           <a:p>
             <a:fld id="{F6628454-CE29-466E-8962-945B8930C0F1}" type="datetimeFigureOut">
               <a:rPr lang="en-US" smtClean="0"/>
-              <a:t>10/15/2018</a:t>
+              <a:t>1/25/2019</a:t>
             </a:fld>
             <a:endParaRPr lang="en-US"/>
           </a:p>
@@ -408,7 +413,7 @@
           <a:p>
             <a:fld id="{F6628454-CE29-466E-8962-945B8930C0F1}" type="datetimeFigureOut">
               <a:rPr lang="en-US" smtClean="0"/>
-              <a:t>10/15/2018</a:t>
+              <a:t>1/25/2019</a:t>
             </a:fld>
             <a:endParaRPr lang="en-US"/>
           </a:p>
@@ -588,7 +593,7 @@
           <a:p>
             <a:fld id="{F6628454-CE29-466E-8962-945B8930C0F1}" type="datetimeFigureOut">
               <a:rPr lang="en-US" smtClean="0"/>
-              <a:t>10/15/2018</a:t>
+              <a:t>1/25/2019</a:t>
             </a:fld>
             <a:endParaRPr lang="en-US"/>
           </a:p>
@@ -758,7 +763,7 @@
           <a:p>
             <a:fld id="{F6628454-CE29-466E-8962-945B8930C0F1}" type="datetimeFigureOut">
               <a:rPr lang="en-US" smtClean="0"/>
-              <a:t>10/15/2018</a:t>
+              <a:t>1/25/2019</a:t>
             </a:fld>
             <a:endParaRPr lang="en-US"/>
           </a:p>
@@ -1002,7 +1007,7 @@
           <a:p>
             <a:fld id="{F6628454-CE29-466E-8962-945B8930C0F1}" type="datetimeFigureOut">
               <a:rPr lang="en-US" smtClean="0"/>
-              <a:t>10/15/2018</a:t>
+              <a:t>1/25/2019</a:t>
             </a:fld>
             <a:endParaRPr lang="en-US"/>
           </a:p>
@@ -1234,7 +1239,7 @@
           <a:p>
             <a:fld id="{F6628454-CE29-466E-8962-945B8930C0F1}" type="datetimeFigureOut">
               <a:rPr lang="en-US" smtClean="0"/>
-              <a:t>10/15/2018</a:t>
+              <a:t>1/25/2019</a:t>
             </a:fld>
             <a:endParaRPr lang="en-US"/>
           </a:p>
@@ -1601,7 +1606,7 @@
           <a:p>
             <a:fld id="{F6628454-CE29-466E-8962-945B8930C0F1}" type="datetimeFigureOut">
               <a:rPr lang="en-US" smtClean="0"/>
-              <a:t>10/15/2018</a:t>
+              <a:t>1/25/2019</a:t>
             </a:fld>
             <a:endParaRPr lang="en-US"/>
           </a:p>
@@ -1719,7 +1724,7 @@
           <a:p>
             <a:fld id="{F6628454-CE29-466E-8962-945B8930C0F1}" type="datetimeFigureOut">
               <a:rPr lang="en-US" smtClean="0"/>
-              <a:t>10/15/2018</a:t>
+              <a:t>1/25/2019</a:t>
             </a:fld>
             <a:endParaRPr lang="en-US"/>
           </a:p>
@@ -1814,7 +1819,7 @@
           <a:p>
             <a:fld id="{F6628454-CE29-466E-8962-945B8930C0F1}" type="datetimeFigureOut">
               <a:rPr lang="en-US" smtClean="0"/>
-              <a:t>10/15/2018</a:t>
+              <a:t>1/25/2019</a:t>
             </a:fld>
             <a:endParaRPr lang="en-US"/>
           </a:p>
@@ -2091,7 +2096,7 @@
           <a:p>
             <a:fld id="{F6628454-CE29-466E-8962-945B8930C0F1}" type="datetimeFigureOut">
               <a:rPr lang="en-US" smtClean="0"/>
-              <a:t>10/15/2018</a:t>
+              <a:t>1/25/2019</a:t>
             </a:fld>
             <a:endParaRPr lang="en-US"/>
           </a:p>
@@ -2348,7 +2353,7 @@
           <a:p>
             <a:fld id="{F6628454-CE29-466E-8962-945B8930C0F1}" type="datetimeFigureOut">
               <a:rPr lang="en-US" smtClean="0"/>
-              <a:t>10/15/2018</a:t>
+              <a:t>1/25/2019</a:t>
             </a:fld>
             <a:endParaRPr lang="en-US"/>
           </a:p>
@@ -2561,7 +2566,7 @@
           <a:p>
             <a:fld id="{F6628454-CE29-466E-8962-945B8930C0F1}" type="datetimeFigureOut">
               <a:rPr lang="en-US" smtClean="0"/>
-              <a:t>10/15/2018</a:t>
+              <a:t>1/25/2019</a:t>
             </a:fld>
             <a:endParaRPr lang="en-US"/>
           </a:p>
@@ -2990,76 +2995,6 @@
           </a:prstGeom>
         </p:spPr>
       </p:pic>
-      <p:pic>
-        <p:nvPicPr>
-          <p:cNvPr id="5" name="Picture 4"/>
-          <p:cNvPicPr>
-            <a:picLocks noChangeAspect="1"/>
-          </p:cNvPicPr>
-          <p:nvPr/>
-        </p:nvPicPr>
-        <p:blipFill>
-          <a:blip r:embed="rId3">
-            <a:clrChange>
-              <a:clrFrom>
-                <a:srgbClr val="FFFFFF"/>
-              </a:clrFrom>
-              <a:clrTo>
-                <a:srgbClr val="FFFFFF">
-                  <a:alpha val="0"/>
-                </a:srgbClr>
-              </a:clrTo>
-            </a:clrChange>
-          </a:blip>
-          <a:stretch>
-            <a:fillRect/>
-          </a:stretch>
-        </p:blipFill>
-        <p:spPr>
-          <a:xfrm>
-            <a:off x="-897535" y="1580333"/>
-            <a:ext cx="5613722" cy="5010967"/>
-          </a:xfrm>
-          <a:prstGeom prst="rect">
-            <a:avLst/>
-          </a:prstGeom>
-        </p:spPr>
-      </p:pic>
-      <p:pic>
-        <p:nvPicPr>
-          <p:cNvPr id="7" name="Picture 6"/>
-          <p:cNvPicPr>
-            <a:picLocks noChangeAspect="1"/>
-          </p:cNvPicPr>
-          <p:nvPr/>
-        </p:nvPicPr>
-        <p:blipFill>
-          <a:blip r:embed="rId4">
-            <a:clrChange>
-              <a:clrFrom>
-                <a:srgbClr val="FFFFFF"/>
-              </a:clrFrom>
-              <a:clrTo>
-                <a:srgbClr val="FFFFFF">
-                  <a:alpha val="0"/>
-                </a:srgbClr>
-              </a:clrTo>
-            </a:clrChange>
-          </a:blip>
-          <a:stretch>
-            <a:fillRect/>
-          </a:stretch>
-        </p:blipFill>
-        <p:spPr>
-          <a:xfrm>
-            <a:off x="2985817" y="2230129"/>
-            <a:ext cx="4526738" cy="4040694"/>
-          </a:xfrm>
-          <a:prstGeom prst="rect">
-            <a:avLst/>
-          </a:prstGeom>
-        </p:spPr>
-      </p:pic>
       <p:sp>
         <p:nvSpPr>
           <p:cNvPr id="8" name="Rectangle 7"/>
@@ -3105,6 +3040,97 @@
           <a:p>
             <a:pPr algn="ctr"/>
             <a:endParaRPr lang="en-US"/>
+          </a:p>
+        </p:txBody>
+      </p:sp>
+      <p:pic>
+        <p:nvPicPr>
+          <p:cNvPr id="2" name="Picture 1"/>
+          <p:cNvPicPr>
+            <a:picLocks noChangeAspect="1"/>
+          </p:cNvPicPr>
+          <p:nvPr/>
+        </p:nvPicPr>
+        <p:blipFill>
+          <a:blip r:embed="rId3">
+            <a:clrChange>
+              <a:clrFrom>
+                <a:srgbClr val="FFFFFF"/>
+              </a:clrFrom>
+              <a:clrTo>
+                <a:srgbClr val="FFFFFF">
+                  <a:alpha val="0"/>
+                </a:srgbClr>
+              </a:clrTo>
+            </a:clrChange>
+          </a:blip>
+          <a:stretch>
+            <a:fillRect/>
+          </a:stretch>
+        </p:blipFill>
+        <p:spPr>
+          <a:xfrm>
+            <a:off x="-96272" y="-496276"/>
+            <a:ext cx="7078178" cy="10000909"/>
+          </a:xfrm>
+          <a:prstGeom prst="rect">
+            <a:avLst/>
+          </a:prstGeom>
+        </p:spPr>
+      </p:pic>
+      <p:sp>
+        <p:nvSpPr>
+          <p:cNvPr id="3" name="TextBox 2"/>
+          <p:cNvSpPr txBox="1"/>
+          <p:nvPr/>
+        </p:nvSpPr>
+        <p:spPr>
+          <a:xfrm>
+            <a:off x="3442818" y="4678924"/>
+            <a:ext cx="209239" cy="369332"/>
+          </a:xfrm>
+          <a:prstGeom prst="rect">
+            <a:avLst/>
+          </a:prstGeom>
+          <a:solidFill>
+            <a:schemeClr val="bg1"/>
+          </a:solidFill>
+        </p:spPr>
+        <p:txBody>
+          <a:bodyPr wrap="square" rtlCol="0">
+            <a:spAutoFit/>
+          </a:bodyPr>
+          <a:lstStyle/>
+          <a:p>
+            <a:endParaRPr lang="en-US" dirty="0"/>
+          </a:p>
+        </p:txBody>
+      </p:sp>
+      <p:sp>
+        <p:nvSpPr>
+          <p:cNvPr id="9" name="TextBox 8"/>
+          <p:cNvSpPr txBox="1"/>
+          <p:nvPr/>
+        </p:nvSpPr>
+        <p:spPr>
+          <a:xfrm>
+            <a:off x="3442817" y="2470509"/>
+            <a:ext cx="209239" cy="369332"/>
+          </a:xfrm>
+          <a:prstGeom prst="rect">
+            <a:avLst/>
+          </a:prstGeom>
+          <a:solidFill>
+            <a:schemeClr val="bg1"/>
+          </a:solidFill>
+        </p:spPr>
+        <p:txBody>
+          <a:bodyPr wrap="square" rtlCol="0">
+            <a:spAutoFit/>
+          </a:bodyPr>
+          <a:lstStyle/>
+          <a:p>
+            <a:endParaRPr lang="en-US" dirty="0"/>
           </a:p>
         </p:txBody>
       </p:sp>
